--- a/Part2/Kubernetes Hands On - Part 2.pptx
+++ b/Part2/Kubernetes Hands On - Part 2.pptx
@@ -7427,7 +7427,7 @@
             </a:pPr>
             <a:r>
               <a:rPr lang="en" sz="1800"/>
-              <a:t>Part 1</a:t>
+              <a:t>Part 2</a:t>
             </a:r>
             <a:endParaRPr sz="1800"/>
           </a:p>
